--- a/fig/testbed3.pptx
+++ b/fig/testbed3.pptx
@@ -197,7 +197,7 @@
           <a:p>
             <a:fld id="{099D9881-FF15-D145-896A-78E78095E27C}" type="datetimeFigureOut">
               <a:rPr kumimoji="1" lang="zh-CN" altLang="en-US" smtClean="0"/>
-              <a:t>2020/9/4</a:t>
+              <a:t>2021/1/26</a:t>
             </a:fld>
             <a:endParaRPr kumimoji="1" lang="zh-CN" altLang="en-US"/>
           </a:p>
@@ -679,7 +679,7 @@
           <a:p>
             <a:fld id="{02149C51-F9B6-2F46-BC9F-7FA10DA250B9}" type="datetimeFigureOut">
               <a:rPr kumimoji="1" lang="zh-CN" altLang="en-US" smtClean="0"/>
-              <a:t>2020/9/4</a:t>
+              <a:t>2021/1/26</a:t>
             </a:fld>
             <a:endParaRPr kumimoji="1" lang="zh-CN" altLang="en-US"/>
           </a:p>
@@ -849,7 +849,7 @@
           <a:p>
             <a:fld id="{02149C51-F9B6-2F46-BC9F-7FA10DA250B9}" type="datetimeFigureOut">
               <a:rPr kumimoji="1" lang="zh-CN" altLang="en-US" smtClean="0"/>
-              <a:t>2020/9/4</a:t>
+              <a:t>2021/1/26</a:t>
             </a:fld>
             <a:endParaRPr kumimoji="1" lang="zh-CN" altLang="en-US"/>
           </a:p>
@@ -1029,7 +1029,7 @@
           <a:p>
             <a:fld id="{02149C51-F9B6-2F46-BC9F-7FA10DA250B9}" type="datetimeFigureOut">
               <a:rPr kumimoji="1" lang="zh-CN" altLang="en-US" smtClean="0"/>
-              <a:t>2020/9/4</a:t>
+              <a:t>2021/1/26</a:t>
             </a:fld>
             <a:endParaRPr kumimoji="1" lang="zh-CN" altLang="en-US"/>
           </a:p>
@@ -1199,7 +1199,7 @@
           <a:p>
             <a:fld id="{02149C51-F9B6-2F46-BC9F-7FA10DA250B9}" type="datetimeFigureOut">
               <a:rPr kumimoji="1" lang="zh-CN" altLang="en-US" smtClean="0"/>
-              <a:t>2020/9/4</a:t>
+              <a:t>2021/1/26</a:t>
             </a:fld>
             <a:endParaRPr kumimoji="1" lang="zh-CN" altLang="en-US"/>
           </a:p>
@@ -1443,7 +1443,7 @@
           <a:p>
             <a:fld id="{02149C51-F9B6-2F46-BC9F-7FA10DA250B9}" type="datetimeFigureOut">
               <a:rPr kumimoji="1" lang="zh-CN" altLang="en-US" smtClean="0"/>
-              <a:t>2020/9/4</a:t>
+              <a:t>2021/1/26</a:t>
             </a:fld>
             <a:endParaRPr kumimoji="1" lang="zh-CN" altLang="en-US"/>
           </a:p>
@@ -1675,7 +1675,7 @@
           <a:p>
             <a:fld id="{02149C51-F9B6-2F46-BC9F-7FA10DA250B9}" type="datetimeFigureOut">
               <a:rPr kumimoji="1" lang="zh-CN" altLang="en-US" smtClean="0"/>
-              <a:t>2020/9/4</a:t>
+              <a:t>2021/1/26</a:t>
             </a:fld>
             <a:endParaRPr kumimoji="1" lang="zh-CN" altLang="en-US"/>
           </a:p>
@@ -2042,7 +2042,7 @@
           <a:p>
             <a:fld id="{02149C51-F9B6-2F46-BC9F-7FA10DA250B9}" type="datetimeFigureOut">
               <a:rPr kumimoji="1" lang="zh-CN" altLang="en-US" smtClean="0"/>
-              <a:t>2020/9/4</a:t>
+              <a:t>2021/1/26</a:t>
             </a:fld>
             <a:endParaRPr kumimoji="1" lang="zh-CN" altLang="en-US"/>
           </a:p>
@@ -2160,7 +2160,7 @@
           <a:p>
             <a:fld id="{02149C51-F9B6-2F46-BC9F-7FA10DA250B9}" type="datetimeFigureOut">
               <a:rPr kumimoji="1" lang="zh-CN" altLang="en-US" smtClean="0"/>
-              <a:t>2020/9/4</a:t>
+              <a:t>2021/1/26</a:t>
             </a:fld>
             <a:endParaRPr kumimoji="1" lang="zh-CN" altLang="en-US"/>
           </a:p>
@@ -2255,7 +2255,7 @@
           <a:p>
             <a:fld id="{02149C51-F9B6-2F46-BC9F-7FA10DA250B9}" type="datetimeFigureOut">
               <a:rPr kumimoji="1" lang="zh-CN" altLang="en-US" smtClean="0"/>
-              <a:t>2020/9/4</a:t>
+              <a:t>2021/1/26</a:t>
             </a:fld>
             <a:endParaRPr kumimoji="1" lang="zh-CN" altLang="en-US"/>
           </a:p>
@@ -2532,7 +2532,7 @@
           <a:p>
             <a:fld id="{02149C51-F9B6-2F46-BC9F-7FA10DA250B9}" type="datetimeFigureOut">
               <a:rPr kumimoji="1" lang="zh-CN" altLang="en-US" smtClean="0"/>
-              <a:t>2020/9/4</a:t>
+              <a:t>2021/1/26</a:t>
             </a:fld>
             <a:endParaRPr kumimoji="1" lang="zh-CN" altLang="en-US"/>
           </a:p>
@@ -2789,7 +2789,7 @@
           <a:p>
             <a:fld id="{02149C51-F9B6-2F46-BC9F-7FA10DA250B9}" type="datetimeFigureOut">
               <a:rPr kumimoji="1" lang="zh-CN" altLang="en-US" smtClean="0"/>
-              <a:t>2020/9/4</a:t>
+              <a:t>2021/1/26</a:t>
             </a:fld>
             <a:endParaRPr kumimoji="1" lang="zh-CN" altLang="en-US"/>
           </a:p>
@@ -3002,7 +3002,7 @@
           <a:p>
             <a:fld id="{02149C51-F9B6-2F46-BC9F-7FA10DA250B9}" type="datetimeFigureOut">
               <a:rPr kumimoji="1" lang="zh-CN" altLang="en-US" smtClean="0"/>
-              <a:t>2020/9/4</a:t>
+              <a:t>2021/1/26</a:t>
             </a:fld>
             <a:endParaRPr kumimoji="1" lang="zh-CN" altLang="en-US"/>
           </a:p>
@@ -3423,8 +3423,8 @@
         </p:nvCxnSpPr>
         <p:spPr>
           <a:xfrm>
-            <a:off x="4003027" y="1603162"/>
-            <a:ext cx="2828076" cy="3279883"/>
+            <a:off x="4016955" y="1315452"/>
+            <a:ext cx="2997256" cy="4471254"/>
           </a:xfrm>
           <a:prstGeom prst="line">
             <a:avLst/>
@@ -3469,8 +3469,8 @@
         </p:nvCxnSpPr>
         <p:spPr>
           <a:xfrm flipH="1">
-            <a:off x="3778714" y="1688261"/>
-            <a:ext cx="3128484" cy="3340504"/>
+            <a:off x="3978744" y="1222850"/>
+            <a:ext cx="2970895" cy="4300127"/>
           </a:xfrm>
           <a:prstGeom prst="line">
             <a:avLst/>
@@ -3515,8 +3515,8 @@
         </p:nvCxnSpPr>
         <p:spPr>
           <a:xfrm flipV="1">
-            <a:off x="7268635" y="3814606"/>
-            <a:ext cx="880592" cy="1308088"/>
+            <a:off x="7558645" y="3814607"/>
+            <a:ext cx="1239656" cy="2031535"/>
           </a:xfrm>
           <a:prstGeom prst="line">
             <a:avLst/>
@@ -3561,7 +3561,7 @@
         </p:nvCxnSpPr>
         <p:spPr>
           <a:xfrm>
-            <a:off x="4110841" y="1236779"/>
+            <a:off x="4110841" y="717245"/>
             <a:ext cx="2796357" cy="0"/>
           </a:xfrm>
           <a:prstGeom prst="line">
@@ -3602,13 +3602,14 @@
           </p:cNvPr>
           <p:cNvCxnSpPr>
             <a:cxnSpLocks/>
+            <a:endCxn id="175" idx="1"/>
           </p:cNvCxnSpPr>
           <p:nvPr/>
         </p:nvCxnSpPr>
         <p:spPr>
-          <a:xfrm flipV="1">
-            <a:off x="3884399" y="5426098"/>
-            <a:ext cx="2838890" cy="1"/>
+          <a:xfrm>
+            <a:off x="3910782" y="6061193"/>
+            <a:ext cx="2979176" cy="43521"/>
           </a:xfrm>
           <a:prstGeom prst="line">
             <a:avLst/>
@@ -3653,8 +3654,8 @@
         </p:nvCxnSpPr>
         <p:spPr>
           <a:xfrm>
-            <a:off x="7390407" y="1409660"/>
-            <a:ext cx="758821" cy="1684866"/>
+            <a:off x="7501473" y="1124335"/>
+            <a:ext cx="1094499" cy="1678322"/>
           </a:xfrm>
           <a:prstGeom prst="line">
             <a:avLst/>
@@ -3699,8 +3700,8 @@
         </p:nvCxnSpPr>
         <p:spPr>
           <a:xfrm flipV="1">
-            <a:off x="2538966" y="1603161"/>
-            <a:ext cx="1049298" cy="1927398"/>
+            <a:off x="2024523" y="1222850"/>
+            <a:ext cx="1465200" cy="2128467"/>
           </a:xfrm>
           <a:prstGeom prst="line">
             <a:avLst/>
@@ -3745,8 +3746,8 @@
         </p:nvCxnSpPr>
         <p:spPr>
           <a:xfrm flipH="1" flipV="1">
-            <a:off x="2444908" y="3814607"/>
-            <a:ext cx="998817" cy="1151053"/>
+            <a:off x="2023887" y="3814607"/>
+            <a:ext cx="1424596" cy="2031535"/>
           </a:xfrm>
           <a:prstGeom prst="line">
             <a:avLst/>
@@ -3797,7 +3798,7 @@
         </p:blipFill>
         <p:spPr>
           <a:xfrm>
-            <a:off x="3359164" y="383667"/>
+            <a:off x="3323918" y="-34422"/>
             <a:ext cx="839103" cy="1506572"/>
           </a:xfrm>
           <a:prstGeom prst="rect">
@@ -3827,7 +3828,7 @@
         </p:blipFill>
         <p:spPr>
           <a:xfrm>
-            <a:off x="2005287" y="2724812"/>
+            <a:off x="1259614" y="2777273"/>
             <a:ext cx="839103" cy="1506572"/>
           </a:xfrm>
           <a:prstGeom prst="rect">
@@ -3857,7 +3858,7 @@
         </p:blipFill>
         <p:spPr>
           <a:xfrm>
-            <a:off x="3359163" y="4701639"/>
+            <a:off x="3385546" y="5336732"/>
             <a:ext cx="839103" cy="1506572"/>
           </a:xfrm>
           <a:prstGeom prst="rect">
@@ -3887,7 +3888,7 @@
         </p:blipFill>
         <p:spPr>
           <a:xfrm>
-            <a:off x="6635866" y="4701639"/>
+            <a:off x="6889958" y="5351428"/>
             <a:ext cx="839103" cy="1506572"/>
           </a:xfrm>
           <a:prstGeom prst="rect">
@@ -3917,7 +3918,7 @@
         </p:blipFill>
         <p:spPr>
           <a:xfrm>
-            <a:off x="6723290" y="412495"/>
+            <a:off x="6730739" y="-118767"/>
             <a:ext cx="839103" cy="1506572"/>
           </a:xfrm>
           <a:prstGeom prst="rect">
@@ -3947,7 +3948,7 @@
         </p:blipFill>
         <p:spPr>
           <a:xfrm>
-            <a:off x="7900819" y="2585119"/>
+            <a:off x="8451829" y="2525274"/>
             <a:ext cx="839103" cy="1506572"/>
           </a:xfrm>
           <a:prstGeom prst="rect">
@@ -4053,7 +4054,7 @@
         </p:nvSpPr>
         <p:spPr>
           <a:xfrm>
-            <a:off x="8816345" y="3015239"/>
+            <a:off x="9367355" y="2955394"/>
             <a:ext cx="1082348" cy="646331"/>
           </a:xfrm>
           <a:prstGeom prst="rect">
@@ -4095,7 +4096,7 @@
         </p:nvSpPr>
         <p:spPr>
           <a:xfrm>
-            <a:off x="7900818" y="5267151"/>
+            <a:off x="7828302" y="5786706"/>
             <a:ext cx="1082348" cy="646331"/>
           </a:xfrm>
           <a:prstGeom prst="rect">
@@ -4137,7 +4138,7 @@
         </p:nvSpPr>
         <p:spPr>
           <a:xfrm>
-            <a:off x="1903733" y="5267151"/>
+            <a:off x="2203703" y="5786706"/>
             <a:ext cx="1082348" cy="646331"/>
           </a:xfrm>
           <a:prstGeom prst="rect">
@@ -4179,7 +4180,7 @@
         </p:nvSpPr>
         <p:spPr>
           <a:xfrm>
-            <a:off x="768895" y="3018677"/>
+            <a:off x="23222" y="3071138"/>
             <a:ext cx="1082348" cy="646331"/>
           </a:xfrm>
           <a:prstGeom prst="rect">
@@ -4221,7 +4222,7 @@
         </p:nvSpPr>
         <p:spPr>
           <a:xfrm>
-            <a:off x="4875891" y="573560"/>
+            <a:off x="4873818" y="70420"/>
             <a:ext cx="1685077" cy="646331"/>
           </a:xfrm>
           <a:prstGeom prst="rect">
@@ -4263,7 +4264,7 @@
         </p:nvSpPr>
         <p:spPr>
           <a:xfrm>
-            <a:off x="7719607" y="1688261"/>
+            <a:off x="8178473" y="1819128"/>
             <a:ext cx="1685077" cy="646331"/>
           </a:xfrm>
           <a:prstGeom prst="rect">
@@ -4305,7 +4306,7 @@
         </p:nvSpPr>
         <p:spPr>
           <a:xfrm>
-            <a:off x="7708664" y="4223906"/>
+            <a:off x="8202078" y="4507208"/>
             <a:ext cx="1685077" cy="646331"/>
           </a:xfrm>
           <a:prstGeom prst="rect">
@@ -4389,7 +4390,7 @@
         </p:nvSpPr>
         <p:spPr>
           <a:xfrm>
-            <a:off x="5084445" y="5454925"/>
+            <a:off x="5110828" y="6090018"/>
             <a:ext cx="877163" cy="646331"/>
           </a:xfrm>
           <a:prstGeom prst="rect">
@@ -4431,7 +4432,7 @@
         </p:nvSpPr>
         <p:spPr>
           <a:xfrm>
-            <a:off x="1704814" y="4227771"/>
+            <a:off x="1299403" y="4550275"/>
             <a:ext cx="1454244" cy="646331"/>
           </a:xfrm>
           <a:prstGeom prst="rect">
@@ -4473,7 +4474,7 @@
         </p:nvSpPr>
         <p:spPr>
           <a:xfrm>
-            <a:off x="1797391" y="1809583"/>
+            <a:off x="1404606" y="1820059"/>
             <a:ext cx="1454244" cy="646331"/>
           </a:xfrm>
           <a:prstGeom prst="rect">
@@ -4557,7 +4558,7 @@
         </p:nvSpPr>
         <p:spPr>
           <a:xfrm>
-            <a:off x="5238333" y="1145960"/>
+            <a:off x="5238333" y="626426"/>
             <a:ext cx="723275" cy="646331"/>
           </a:xfrm>
           <a:prstGeom prst="rect">
@@ -4599,7 +4600,7 @@
         </p:nvSpPr>
         <p:spPr>
           <a:xfrm>
-            <a:off x="3063615" y="4122574"/>
+            <a:off x="2959336" y="4550276"/>
             <a:ext cx="723275" cy="646331"/>
           </a:xfrm>
           <a:prstGeom prst="rect">
@@ -4641,7 +4642,7 @@
         </p:nvSpPr>
         <p:spPr>
           <a:xfrm>
-            <a:off x="7169250" y="3884874"/>
+            <a:off x="7344551" y="4553480"/>
             <a:ext cx="723275" cy="646331"/>
           </a:xfrm>
           <a:prstGeom prst="rect">
@@ -4683,7 +4684,7 @@
         </p:nvSpPr>
         <p:spPr>
           <a:xfrm>
-            <a:off x="5174690" y="4887884"/>
+            <a:off x="5201073" y="5522977"/>
             <a:ext cx="723275" cy="646331"/>
           </a:xfrm>
           <a:prstGeom prst="rect">
@@ -4725,7 +4726,7 @@
         </p:nvSpPr>
         <p:spPr>
           <a:xfrm>
-            <a:off x="6996332" y="1893904"/>
+            <a:off x="7258103" y="1772065"/>
             <a:ext cx="723275" cy="646331"/>
           </a:xfrm>
           <a:prstGeom prst="rect">
@@ -4767,7 +4768,7 @@
         </p:nvSpPr>
         <p:spPr>
           <a:xfrm>
-            <a:off x="3252885" y="1865183"/>
+            <a:off x="2897061" y="1823257"/>
             <a:ext cx="723275" cy="646331"/>
           </a:xfrm>
           <a:prstGeom prst="rect">
@@ -4809,7 +4810,7 @@
         </p:nvSpPr>
         <p:spPr>
           <a:xfrm>
-            <a:off x="5739259" y="1878943"/>
+            <a:off x="5556820" y="1817071"/>
             <a:ext cx="723275" cy="646331"/>
           </a:xfrm>
           <a:prstGeom prst="rect">
@@ -4851,7 +4852,7 @@
         </p:nvSpPr>
         <p:spPr>
           <a:xfrm>
-            <a:off x="4512181" y="1835507"/>
+            <a:off x="4629659" y="1819345"/>
             <a:ext cx="723275" cy="646331"/>
           </a:xfrm>
           <a:prstGeom prst="rect">
